--- a/ppt 16-9/0541.慈父与荡子.pptx
+++ b/ppt 16-9/0541.慈父与荡子.pptx
@@ -129,7 +129,7 @@
           <p:cNvPr id="2" name="标题 1">
             <a:extLst>
               <a:ext uri="{FF2B5EF4-FFF2-40B4-BE49-F238E27FC236}">
-                <a16:creationId xmlns:a16="http://schemas.microsoft.com/office/drawing/2014/main" id="{AAADD56B-D38E-8C20-96FA-3F23825B3C94}"/>
+                <a16:creationId xmlns:a16="http://schemas.microsoft.com/office/drawing/2014/main" id="{A5CE39FD-AAEF-1D90-C2EC-F0908757A72F}"/>
               </a:ext>
             </a:extLst>
           </p:cNvPr>
@@ -166,7 +166,7 @@
           <p:cNvPr id="3" name="副标题 2">
             <a:extLst>
               <a:ext uri="{FF2B5EF4-FFF2-40B4-BE49-F238E27FC236}">
-                <a16:creationId xmlns:a16="http://schemas.microsoft.com/office/drawing/2014/main" id="{378EBB42-40AE-B620-77A8-847A7E1B8793}"/>
+                <a16:creationId xmlns:a16="http://schemas.microsoft.com/office/drawing/2014/main" id="{ABD59514-0B53-8EAA-0C7F-D702DB704B94}"/>
               </a:ext>
             </a:extLst>
           </p:cNvPr>
@@ -236,7 +236,7 @@
           <p:cNvPr id="4" name="日期占位符 3">
             <a:extLst>
               <a:ext uri="{FF2B5EF4-FFF2-40B4-BE49-F238E27FC236}">
-                <a16:creationId xmlns:a16="http://schemas.microsoft.com/office/drawing/2014/main" id="{EA6768FA-62AB-50E8-AD28-1F902CB114C6}"/>
+                <a16:creationId xmlns:a16="http://schemas.microsoft.com/office/drawing/2014/main" id="{9814653B-75D9-7F9B-57B6-B4ABA4680D2B}"/>
               </a:ext>
             </a:extLst>
           </p:cNvPr>
@@ -252,7 +252,7 @@
           <a:bodyPr/>
           <a:lstStyle/>
           <a:p>
-            <a:fld id="{E7C45E1A-2B71-49F8-AD45-3E9F4F81313F}" type="datetimeFigureOut">
+            <a:fld id="{03989AB5-59C3-4EFF-B8DD-BEE7FD2344C5}" type="datetimeFigureOut">
               <a:rPr lang="zh-CN" altLang="en-US" smtClean="0"/>
               <a:t>2024/3/10</a:t>
             </a:fld>
@@ -265,7 +265,7 @@
           <p:cNvPr id="5" name="页脚占位符 4">
             <a:extLst>
               <a:ext uri="{FF2B5EF4-FFF2-40B4-BE49-F238E27FC236}">
-                <a16:creationId xmlns:a16="http://schemas.microsoft.com/office/drawing/2014/main" id="{23623D50-9022-80A6-2A80-0C3DE97EC1AB}"/>
+                <a16:creationId xmlns:a16="http://schemas.microsoft.com/office/drawing/2014/main" id="{BE56D28A-2E74-E7DD-345C-4211EF910B1D}"/>
               </a:ext>
             </a:extLst>
           </p:cNvPr>
@@ -290,7 +290,7 @@
           <p:cNvPr id="6" name="灯片编号占位符 5">
             <a:extLst>
               <a:ext uri="{FF2B5EF4-FFF2-40B4-BE49-F238E27FC236}">
-                <a16:creationId xmlns:a16="http://schemas.microsoft.com/office/drawing/2014/main" id="{54C96FBB-0FA7-D64F-7B54-B3E817426FC0}"/>
+                <a16:creationId xmlns:a16="http://schemas.microsoft.com/office/drawing/2014/main" id="{EE51A0AE-2065-47D5-9A77-BF1F99BF71DC}"/>
               </a:ext>
             </a:extLst>
           </p:cNvPr>
@@ -306,7 +306,7 @@
           <a:bodyPr/>
           <a:lstStyle/>
           <a:p>
-            <a:fld id="{7C183130-3C48-453A-8365-186470959930}" type="slidenum">
+            <a:fld id="{9F00AEA7-F73E-48D1-84AC-0204077FB4F8}" type="slidenum">
               <a:rPr lang="zh-CN" altLang="en-US" smtClean="0"/>
               <a:t>‹#›</a:t>
             </a:fld>
@@ -317,7 +317,7 @@
     </p:spTree>
     <p:extLst>
       <p:ext uri="{BB962C8B-B14F-4D97-AF65-F5344CB8AC3E}">
-        <p14:creationId xmlns:p14="http://schemas.microsoft.com/office/powerpoint/2010/main" val="944539421"/>
+        <p14:creationId xmlns:p14="http://schemas.microsoft.com/office/powerpoint/2010/main" val="1435782586"/>
       </p:ext>
     </p:extLst>
   </p:cSld>
@@ -349,7 +349,7 @@
           <p:cNvPr id="2" name="标题 1">
             <a:extLst>
               <a:ext uri="{FF2B5EF4-FFF2-40B4-BE49-F238E27FC236}">
-                <a16:creationId xmlns:a16="http://schemas.microsoft.com/office/drawing/2014/main" id="{4C017336-520E-7133-A533-131B04486D7B}"/>
+                <a16:creationId xmlns:a16="http://schemas.microsoft.com/office/drawing/2014/main" id="{CB865656-BAA0-40E6-6FAB-8E8A244EC515}"/>
               </a:ext>
             </a:extLst>
           </p:cNvPr>
@@ -377,7 +377,7 @@
           <p:cNvPr id="3" name="竖排文字占位符 2">
             <a:extLst>
               <a:ext uri="{FF2B5EF4-FFF2-40B4-BE49-F238E27FC236}">
-                <a16:creationId xmlns:a16="http://schemas.microsoft.com/office/drawing/2014/main" id="{1D468F17-C3B8-C146-D969-3F2C59BDBA9F}"/>
+                <a16:creationId xmlns:a16="http://schemas.microsoft.com/office/drawing/2014/main" id="{AB5401A9-F236-A751-5DF5-D72C2652364A}"/>
               </a:ext>
             </a:extLst>
           </p:cNvPr>
@@ -434,7 +434,7 @@
           <p:cNvPr id="4" name="日期占位符 3">
             <a:extLst>
               <a:ext uri="{FF2B5EF4-FFF2-40B4-BE49-F238E27FC236}">
-                <a16:creationId xmlns:a16="http://schemas.microsoft.com/office/drawing/2014/main" id="{B70D7BBF-51A8-9E27-73E1-2D6495DF631D}"/>
+                <a16:creationId xmlns:a16="http://schemas.microsoft.com/office/drawing/2014/main" id="{E54F3516-8B4C-6478-C3F8-3BF84367CE70}"/>
               </a:ext>
             </a:extLst>
           </p:cNvPr>
@@ -450,7 +450,7 @@
           <a:bodyPr/>
           <a:lstStyle/>
           <a:p>
-            <a:fld id="{E7C45E1A-2B71-49F8-AD45-3E9F4F81313F}" type="datetimeFigureOut">
+            <a:fld id="{03989AB5-59C3-4EFF-B8DD-BEE7FD2344C5}" type="datetimeFigureOut">
               <a:rPr lang="zh-CN" altLang="en-US" smtClean="0"/>
               <a:t>2024/3/10</a:t>
             </a:fld>
@@ -463,7 +463,7 @@
           <p:cNvPr id="5" name="页脚占位符 4">
             <a:extLst>
               <a:ext uri="{FF2B5EF4-FFF2-40B4-BE49-F238E27FC236}">
-                <a16:creationId xmlns:a16="http://schemas.microsoft.com/office/drawing/2014/main" id="{68F591B1-B515-C1FC-F726-AE77A0A8D87F}"/>
+                <a16:creationId xmlns:a16="http://schemas.microsoft.com/office/drawing/2014/main" id="{77B1A664-354C-D689-43F0-61164B2F5278}"/>
               </a:ext>
             </a:extLst>
           </p:cNvPr>
@@ -488,7 +488,7 @@
           <p:cNvPr id="6" name="灯片编号占位符 5">
             <a:extLst>
               <a:ext uri="{FF2B5EF4-FFF2-40B4-BE49-F238E27FC236}">
-                <a16:creationId xmlns:a16="http://schemas.microsoft.com/office/drawing/2014/main" id="{D4E50E6E-357D-22DE-8EA7-8B959C578E39}"/>
+                <a16:creationId xmlns:a16="http://schemas.microsoft.com/office/drawing/2014/main" id="{375703DD-7E33-8938-A747-A2019BF17924}"/>
               </a:ext>
             </a:extLst>
           </p:cNvPr>
@@ -504,7 +504,7 @@
           <a:bodyPr/>
           <a:lstStyle/>
           <a:p>
-            <a:fld id="{7C183130-3C48-453A-8365-186470959930}" type="slidenum">
+            <a:fld id="{9F00AEA7-F73E-48D1-84AC-0204077FB4F8}" type="slidenum">
               <a:rPr lang="zh-CN" altLang="en-US" smtClean="0"/>
               <a:t>‹#›</a:t>
             </a:fld>
@@ -515,7 +515,7 @@
     </p:spTree>
     <p:extLst>
       <p:ext uri="{BB962C8B-B14F-4D97-AF65-F5344CB8AC3E}">
-        <p14:creationId xmlns:p14="http://schemas.microsoft.com/office/powerpoint/2010/main" val="365061552"/>
+        <p14:creationId xmlns:p14="http://schemas.microsoft.com/office/powerpoint/2010/main" val="1509663699"/>
       </p:ext>
     </p:extLst>
   </p:cSld>
@@ -547,7 +547,7 @@
           <p:cNvPr id="2" name="竖排标题 1">
             <a:extLst>
               <a:ext uri="{FF2B5EF4-FFF2-40B4-BE49-F238E27FC236}">
-                <a16:creationId xmlns:a16="http://schemas.microsoft.com/office/drawing/2014/main" id="{8E81584C-22E8-90D7-A936-ED894CE26C81}"/>
+                <a16:creationId xmlns:a16="http://schemas.microsoft.com/office/drawing/2014/main" id="{7E1F1959-E53D-50EC-1C67-2CB1C5FE6C4B}"/>
               </a:ext>
             </a:extLst>
           </p:cNvPr>
@@ -580,7 +580,7 @@
           <p:cNvPr id="3" name="竖排文字占位符 2">
             <a:extLst>
               <a:ext uri="{FF2B5EF4-FFF2-40B4-BE49-F238E27FC236}">
-                <a16:creationId xmlns:a16="http://schemas.microsoft.com/office/drawing/2014/main" id="{9DFEB0A6-58E7-017E-E76A-05B6CC2CE049}"/>
+                <a16:creationId xmlns:a16="http://schemas.microsoft.com/office/drawing/2014/main" id="{BFBBC6E5-BB31-0724-3DE3-C5934F982DE7}"/>
               </a:ext>
             </a:extLst>
           </p:cNvPr>
@@ -642,7 +642,7 @@
           <p:cNvPr id="4" name="日期占位符 3">
             <a:extLst>
               <a:ext uri="{FF2B5EF4-FFF2-40B4-BE49-F238E27FC236}">
-                <a16:creationId xmlns:a16="http://schemas.microsoft.com/office/drawing/2014/main" id="{6B487F24-AB45-3659-FC9E-42A2F13D445A}"/>
+                <a16:creationId xmlns:a16="http://schemas.microsoft.com/office/drawing/2014/main" id="{57030677-8881-94AD-BBD7-761D327247AB}"/>
               </a:ext>
             </a:extLst>
           </p:cNvPr>
@@ -658,7 +658,7 @@
           <a:bodyPr/>
           <a:lstStyle/>
           <a:p>
-            <a:fld id="{E7C45E1A-2B71-49F8-AD45-3E9F4F81313F}" type="datetimeFigureOut">
+            <a:fld id="{03989AB5-59C3-4EFF-B8DD-BEE7FD2344C5}" type="datetimeFigureOut">
               <a:rPr lang="zh-CN" altLang="en-US" smtClean="0"/>
               <a:t>2024/3/10</a:t>
             </a:fld>
@@ -671,7 +671,7 @@
           <p:cNvPr id="5" name="页脚占位符 4">
             <a:extLst>
               <a:ext uri="{FF2B5EF4-FFF2-40B4-BE49-F238E27FC236}">
-                <a16:creationId xmlns:a16="http://schemas.microsoft.com/office/drawing/2014/main" id="{8F923918-6460-7609-CC38-0540F0E032F6}"/>
+                <a16:creationId xmlns:a16="http://schemas.microsoft.com/office/drawing/2014/main" id="{B324650F-909E-03AC-35F2-9932C6A5285B}"/>
               </a:ext>
             </a:extLst>
           </p:cNvPr>
@@ -696,7 +696,7 @@
           <p:cNvPr id="6" name="灯片编号占位符 5">
             <a:extLst>
               <a:ext uri="{FF2B5EF4-FFF2-40B4-BE49-F238E27FC236}">
-                <a16:creationId xmlns:a16="http://schemas.microsoft.com/office/drawing/2014/main" id="{A8165720-C464-9D51-C9E4-EA147040CEEC}"/>
+                <a16:creationId xmlns:a16="http://schemas.microsoft.com/office/drawing/2014/main" id="{5A24595C-A996-D5C9-8271-8C1474B36F01}"/>
               </a:ext>
             </a:extLst>
           </p:cNvPr>
@@ -712,7 +712,7 @@
           <a:bodyPr/>
           <a:lstStyle/>
           <a:p>
-            <a:fld id="{7C183130-3C48-453A-8365-186470959930}" type="slidenum">
+            <a:fld id="{9F00AEA7-F73E-48D1-84AC-0204077FB4F8}" type="slidenum">
               <a:rPr lang="zh-CN" altLang="en-US" smtClean="0"/>
               <a:t>‹#›</a:t>
             </a:fld>
@@ -723,7 +723,7 @@
     </p:spTree>
     <p:extLst>
       <p:ext uri="{BB962C8B-B14F-4D97-AF65-F5344CB8AC3E}">
-        <p14:creationId xmlns:p14="http://schemas.microsoft.com/office/powerpoint/2010/main" val="993123879"/>
+        <p14:creationId xmlns:p14="http://schemas.microsoft.com/office/powerpoint/2010/main" val="1800864864"/>
       </p:ext>
     </p:extLst>
   </p:cSld>
@@ -755,7 +755,7 @@
           <p:cNvPr id="2" name="标题 1">
             <a:extLst>
               <a:ext uri="{FF2B5EF4-FFF2-40B4-BE49-F238E27FC236}">
-                <a16:creationId xmlns:a16="http://schemas.microsoft.com/office/drawing/2014/main" id="{3E204F84-7C93-768F-001F-593D4DEDAB3F}"/>
+                <a16:creationId xmlns:a16="http://schemas.microsoft.com/office/drawing/2014/main" id="{B92EF470-CDCE-8DAA-3AAA-1BC55DB6C6A1}"/>
               </a:ext>
             </a:extLst>
           </p:cNvPr>
@@ -783,7 +783,7 @@
           <p:cNvPr id="3" name="内容占位符 2">
             <a:extLst>
               <a:ext uri="{FF2B5EF4-FFF2-40B4-BE49-F238E27FC236}">
-                <a16:creationId xmlns:a16="http://schemas.microsoft.com/office/drawing/2014/main" id="{D4C5AD53-3453-8990-95C2-C0020FC5FC09}"/>
+                <a16:creationId xmlns:a16="http://schemas.microsoft.com/office/drawing/2014/main" id="{4C3C555B-5E42-78D3-005F-B2609203768E}"/>
               </a:ext>
             </a:extLst>
           </p:cNvPr>
@@ -840,7 +840,7 @@
           <p:cNvPr id="4" name="日期占位符 3">
             <a:extLst>
               <a:ext uri="{FF2B5EF4-FFF2-40B4-BE49-F238E27FC236}">
-                <a16:creationId xmlns:a16="http://schemas.microsoft.com/office/drawing/2014/main" id="{D34D44D7-B446-5B26-83AE-34775844F176}"/>
+                <a16:creationId xmlns:a16="http://schemas.microsoft.com/office/drawing/2014/main" id="{28A3CEF9-8F4E-FEE1-1ECC-0DD0DA028362}"/>
               </a:ext>
             </a:extLst>
           </p:cNvPr>
@@ -856,7 +856,7 @@
           <a:bodyPr/>
           <a:lstStyle/>
           <a:p>
-            <a:fld id="{E7C45E1A-2B71-49F8-AD45-3E9F4F81313F}" type="datetimeFigureOut">
+            <a:fld id="{03989AB5-59C3-4EFF-B8DD-BEE7FD2344C5}" type="datetimeFigureOut">
               <a:rPr lang="zh-CN" altLang="en-US" smtClean="0"/>
               <a:t>2024/3/10</a:t>
             </a:fld>
@@ -869,7 +869,7 @@
           <p:cNvPr id="5" name="页脚占位符 4">
             <a:extLst>
               <a:ext uri="{FF2B5EF4-FFF2-40B4-BE49-F238E27FC236}">
-                <a16:creationId xmlns:a16="http://schemas.microsoft.com/office/drawing/2014/main" id="{C326352F-5927-ACE7-A023-7817FE092EFA}"/>
+                <a16:creationId xmlns:a16="http://schemas.microsoft.com/office/drawing/2014/main" id="{D3F1829B-2DBE-AD95-8749-934FE910732D}"/>
               </a:ext>
             </a:extLst>
           </p:cNvPr>
@@ -894,7 +894,7 @@
           <p:cNvPr id="6" name="灯片编号占位符 5">
             <a:extLst>
               <a:ext uri="{FF2B5EF4-FFF2-40B4-BE49-F238E27FC236}">
-                <a16:creationId xmlns:a16="http://schemas.microsoft.com/office/drawing/2014/main" id="{9D4B41AA-2BA0-94F0-4F09-B41E3E81DA10}"/>
+                <a16:creationId xmlns:a16="http://schemas.microsoft.com/office/drawing/2014/main" id="{900FE928-32DC-DC6C-EC4C-86D5CECFC0CE}"/>
               </a:ext>
             </a:extLst>
           </p:cNvPr>
@@ -910,7 +910,7 @@
           <a:bodyPr/>
           <a:lstStyle/>
           <a:p>
-            <a:fld id="{7C183130-3C48-453A-8365-186470959930}" type="slidenum">
+            <a:fld id="{9F00AEA7-F73E-48D1-84AC-0204077FB4F8}" type="slidenum">
               <a:rPr lang="zh-CN" altLang="en-US" smtClean="0"/>
               <a:t>‹#›</a:t>
             </a:fld>
@@ -921,7 +921,7 @@
     </p:spTree>
     <p:extLst>
       <p:ext uri="{BB962C8B-B14F-4D97-AF65-F5344CB8AC3E}">
-        <p14:creationId xmlns:p14="http://schemas.microsoft.com/office/powerpoint/2010/main" val="2919803744"/>
+        <p14:creationId xmlns:p14="http://schemas.microsoft.com/office/powerpoint/2010/main" val="1144284968"/>
       </p:ext>
     </p:extLst>
   </p:cSld>
@@ -953,7 +953,7 @@
           <p:cNvPr id="2" name="标题 1">
             <a:extLst>
               <a:ext uri="{FF2B5EF4-FFF2-40B4-BE49-F238E27FC236}">
-                <a16:creationId xmlns:a16="http://schemas.microsoft.com/office/drawing/2014/main" id="{6703ADEE-D533-18A7-C2C1-637904A32DAC}"/>
+                <a16:creationId xmlns:a16="http://schemas.microsoft.com/office/drawing/2014/main" id="{2520CD26-F389-534B-0091-4D205BEA35B5}"/>
               </a:ext>
             </a:extLst>
           </p:cNvPr>
@@ -990,7 +990,7 @@
           <p:cNvPr id="3" name="文本占位符 2">
             <a:extLst>
               <a:ext uri="{FF2B5EF4-FFF2-40B4-BE49-F238E27FC236}">
-                <a16:creationId xmlns:a16="http://schemas.microsoft.com/office/drawing/2014/main" id="{761A2A0A-686D-3B15-868A-3E1DF17E875C}"/>
+                <a16:creationId xmlns:a16="http://schemas.microsoft.com/office/drawing/2014/main" id="{BD490BCA-F21B-2AF6-A029-231EB9A02950}"/>
               </a:ext>
             </a:extLst>
           </p:cNvPr>
@@ -1115,7 +1115,7 @@
           <p:cNvPr id="4" name="日期占位符 3">
             <a:extLst>
               <a:ext uri="{FF2B5EF4-FFF2-40B4-BE49-F238E27FC236}">
-                <a16:creationId xmlns:a16="http://schemas.microsoft.com/office/drawing/2014/main" id="{8AE43F02-B5AE-CB40-190D-54BD5BD9F02C}"/>
+                <a16:creationId xmlns:a16="http://schemas.microsoft.com/office/drawing/2014/main" id="{4B68E709-4B60-6156-06BD-22EC75394B26}"/>
               </a:ext>
             </a:extLst>
           </p:cNvPr>
@@ -1131,7 +1131,7 @@
           <a:bodyPr/>
           <a:lstStyle/>
           <a:p>
-            <a:fld id="{E7C45E1A-2B71-49F8-AD45-3E9F4F81313F}" type="datetimeFigureOut">
+            <a:fld id="{03989AB5-59C3-4EFF-B8DD-BEE7FD2344C5}" type="datetimeFigureOut">
               <a:rPr lang="zh-CN" altLang="en-US" smtClean="0"/>
               <a:t>2024/3/10</a:t>
             </a:fld>
@@ -1144,7 +1144,7 @@
           <p:cNvPr id="5" name="页脚占位符 4">
             <a:extLst>
               <a:ext uri="{FF2B5EF4-FFF2-40B4-BE49-F238E27FC236}">
-                <a16:creationId xmlns:a16="http://schemas.microsoft.com/office/drawing/2014/main" id="{5FCC6E36-022C-BB71-E1A8-05F59BE8B22E}"/>
+                <a16:creationId xmlns:a16="http://schemas.microsoft.com/office/drawing/2014/main" id="{95DE2FBD-6972-83A1-E680-AA3BD6E7A9B9}"/>
               </a:ext>
             </a:extLst>
           </p:cNvPr>
@@ -1169,7 +1169,7 @@
           <p:cNvPr id="6" name="灯片编号占位符 5">
             <a:extLst>
               <a:ext uri="{FF2B5EF4-FFF2-40B4-BE49-F238E27FC236}">
-                <a16:creationId xmlns:a16="http://schemas.microsoft.com/office/drawing/2014/main" id="{3A750BF4-8EAA-D6CA-479E-2C218E5BB377}"/>
+                <a16:creationId xmlns:a16="http://schemas.microsoft.com/office/drawing/2014/main" id="{1768ABAF-3058-35AE-04B5-978E418453E0}"/>
               </a:ext>
             </a:extLst>
           </p:cNvPr>
@@ -1185,7 +1185,7 @@
           <a:bodyPr/>
           <a:lstStyle/>
           <a:p>
-            <a:fld id="{7C183130-3C48-453A-8365-186470959930}" type="slidenum">
+            <a:fld id="{9F00AEA7-F73E-48D1-84AC-0204077FB4F8}" type="slidenum">
               <a:rPr lang="zh-CN" altLang="en-US" smtClean="0"/>
               <a:t>‹#›</a:t>
             </a:fld>
@@ -1196,7 +1196,7 @@
     </p:spTree>
     <p:extLst>
       <p:ext uri="{BB962C8B-B14F-4D97-AF65-F5344CB8AC3E}">
-        <p14:creationId xmlns:p14="http://schemas.microsoft.com/office/powerpoint/2010/main" val="605904872"/>
+        <p14:creationId xmlns:p14="http://schemas.microsoft.com/office/powerpoint/2010/main" val="2984985665"/>
       </p:ext>
     </p:extLst>
   </p:cSld>
@@ -1228,7 +1228,7 @@
           <p:cNvPr id="2" name="标题 1">
             <a:extLst>
               <a:ext uri="{FF2B5EF4-FFF2-40B4-BE49-F238E27FC236}">
-                <a16:creationId xmlns:a16="http://schemas.microsoft.com/office/drawing/2014/main" id="{301AA2E9-8071-C6F7-DDE4-957B0D9CA3E4}"/>
+                <a16:creationId xmlns:a16="http://schemas.microsoft.com/office/drawing/2014/main" id="{1D66FF5F-49AD-D6F6-F4E9-B9F385D73022}"/>
               </a:ext>
             </a:extLst>
           </p:cNvPr>
@@ -1256,7 +1256,7 @@
           <p:cNvPr id="3" name="内容占位符 2">
             <a:extLst>
               <a:ext uri="{FF2B5EF4-FFF2-40B4-BE49-F238E27FC236}">
-                <a16:creationId xmlns:a16="http://schemas.microsoft.com/office/drawing/2014/main" id="{2026BA8E-603E-5977-7E05-6E2F3ABCB24D}"/>
+                <a16:creationId xmlns:a16="http://schemas.microsoft.com/office/drawing/2014/main" id="{071B94DD-C261-3E03-E2CD-A4471E65835F}"/>
               </a:ext>
             </a:extLst>
           </p:cNvPr>
@@ -1318,7 +1318,7 @@
           <p:cNvPr id="4" name="内容占位符 3">
             <a:extLst>
               <a:ext uri="{FF2B5EF4-FFF2-40B4-BE49-F238E27FC236}">
-                <a16:creationId xmlns:a16="http://schemas.microsoft.com/office/drawing/2014/main" id="{0398DDC8-DE77-CAAD-EF17-827949F4C21D}"/>
+                <a16:creationId xmlns:a16="http://schemas.microsoft.com/office/drawing/2014/main" id="{48656615-F715-F9C1-871B-8594A3D00433}"/>
               </a:ext>
             </a:extLst>
           </p:cNvPr>
@@ -1380,7 +1380,7 @@
           <p:cNvPr id="5" name="日期占位符 4">
             <a:extLst>
               <a:ext uri="{FF2B5EF4-FFF2-40B4-BE49-F238E27FC236}">
-                <a16:creationId xmlns:a16="http://schemas.microsoft.com/office/drawing/2014/main" id="{407D1A40-584F-CCEC-6F80-D722362CBCC9}"/>
+                <a16:creationId xmlns:a16="http://schemas.microsoft.com/office/drawing/2014/main" id="{99B186F7-3D3E-1047-A0BF-36F3EE491335}"/>
               </a:ext>
             </a:extLst>
           </p:cNvPr>
@@ -1396,7 +1396,7 @@
           <a:bodyPr/>
           <a:lstStyle/>
           <a:p>
-            <a:fld id="{E7C45E1A-2B71-49F8-AD45-3E9F4F81313F}" type="datetimeFigureOut">
+            <a:fld id="{03989AB5-59C3-4EFF-B8DD-BEE7FD2344C5}" type="datetimeFigureOut">
               <a:rPr lang="zh-CN" altLang="en-US" smtClean="0"/>
               <a:t>2024/3/10</a:t>
             </a:fld>
@@ -1409,7 +1409,7 @@
           <p:cNvPr id="6" name="页脚占位符 5">
             <a:extLst>
               <a:ext uri="{FF2B5EF4-FFF2-40B4-BE49-F238E27FC236}">
-                <a16:creationId xmlns:a16="http://schemas.microsoft.com/office/drawing/2014/main" id="{E684DE8F-107A-F184-C8A8-FF0BC70056EA}"/>
+                <a16:creationId xmlns:a16="http://schemas.microsoft.com/office/drawing/2014/main" id="{5BE9A494-862B-ADA1-A050-6C56727FCD17}"/>
               </a:ext>
             </a:extLst>
           </p:cNvPr>
@@ -1434,7 +1434,7 @@
           <p:cNvPr id="7" name="灯片编号占位符 6">
             <a:extLst>
               <a:ext uri="{FF2B5EF4-FFF2-40B4-BE49-F238E27FC236}">
-                <a16:creationId xmlns:a16="http://schemas.microsoft.com/office/drawing/2014/main" id="{51FCB9B8-5E5D-80E5-D54F-329DB2333AFF}"/>
+                <a16:creationId xmlns:a16="http://schemas.microsoft.com/office/drawing/2014/main" id="{331CEBAA-52F5-0825-BE26-479DE37289B9}"/>
               </a:ext>
             </a:extLst>
           </p:cNvPr>
@@ -1450,7 +1450,7 @@
           <a:bodyPr/>
           <a:lstStyle/>
           <a:p>
-            <a:fld id="{7C183130-3C48-453A-8365-186470959930}" type="slidenum">
+            <a:fld id="{9F00AEA7-F73E-48D1-84AC-0204077FB4F8}" type="slidenum">
               <a:rPr lang="zh-CN" altLang="en-US" smtClean="0"/>
               <a:t>‹#›</a:t>
             </a:fld>
@@ -1461,7 +1461,7 @@
     </p:spTree>
     <p:extLst>
       <p:ext uri="{BB962C8B-B14F-4D97-AF65-F5344CB8AC3E}">
-        <p14:creationId xmlns:p14="http://schemas.microsoft.com/office/powerpoint/2010/main" val="2078329056"/>
+        <p14:creationId xmlns:p14="http://schemas.microsoft.com/office/powerpoint/2010/main" val="3451817813"/>
       </p:ext>
     </p:extLst>
   </p:cSld>
@@ -1493,7 +1493,7 @@
           <p:cNvPr id="2" name="标题 1">
             <a:extLst>
               <a:ext uri="{FF2B5EF4-FFF2-40B4-BE49-F238E27FC236}">
-                <a16:creationId xmlns:a16="http://schemas.microsoft.com/office/drawing/2014/main" id="{5A9ECDC4-A10D-D266-8F28-798F54C04AB9}"/>
+                <a16:creationId xmlns:a16="http://schemas.microsoft.com/office/drawing/2014/main" id="{E2C807B0-1C4D-7CEE-6BF0-FB5DF4D9744E}"/>
               </a:ext>
             </a:extLst>
           </p:cNvPr>
@@ -1526,7 +1526,7 @@
           <p:cNvPr id="3" name="文本占位符 2">
             <a:extLst>
               <a:ext uri="{FF2B5EF4-FFF2-40B4-BE49-F238E27FC236}">
-                <a16:creationId xmlns:a16="http://schemas.microsoft.com/office/drawing/2014/main" id="{62B414C1-7B7A-DE69-F6A9-B21ED5616623}"/>
+                <a16:creationId xmlns:a16="http://schemas.microsoft.com/office/drawing/2014/main" id="{F9E9DCE2-D850-40EB-6CE3-6BB501459AB8}"/>
               </a:ext>
             </a:extLst>
           </p:cNvPr>
@@ -1597,7 +1597,7 @@
           <p:cNvPr id="4" name="内容占位符 3">
             <a:extLst>
               <a:ext uri="{FF2B5EF4-FFF2-40B4-BE49-F238E27FC236}">
-                <a16:creationId xmlns:a16="http://schemas.microsoft.com/office/drawing/2014/main" id="{21E61070-338E-997A-5D4B-FA4503F9B2F4}"/>
+                <a16:creationId xmlns:a16="http://schemas.microsoft.com/office/drawing/2014/main" id="{30E26E6A-273D-1FE1-2D5F-D23BFD6EC65A}"/>
               </a:ext>
             </a:extLst>
           </p:cNvPr>
@@ -1659,7 +1659,7 @@
           <p:cNvPr id="5" name="文本占位符 4">
             <a:extLst>
               <a:ext uri="{FF2B5EF4-FFF2-40B4-BE49-F238E27FC236}">
-                <a16:creationId xmlns:a16="http://schemas.microsoft.com/office/drawing/2014/main" id="{FC4CD997-029D-2EAB-C5A0-B0DB32DF58A1}"/>
+                <a16:creationId xmlns:a16="http://schemas.microsoft.com/office/drawing/2014/main" id="{DA91A422-3F65-DDE3-76C5-605F88C912DE}"/>
               </a:ext>
             </a:extLst>
           </p:cNvPr>
@@ -1730,7 +1730,7 @@
           <p:cNvPr id="6" name="内容占位符 5">
             <a:extLst>
               <a:ext uri="{FF2B5EF4-FFF2-40B4-BE49-F238E27FC236}">
-                <a16:creationId xmlns:a16="http://schemas.microsoft.com/office/drawing/2014/main" id="{5EC0AA46-7CE9-AE6F-9FB3-1D0212768CC3}"/>
+                <a16:creationId xmlns:a16="http://schemas.microsoft.com/office/drawing/2014/main" id="{066E32BF-43BA-7782-10F1-16739A887B1F}"/>
               </a:ext>
             </a:extLst>
           </p:cNvPr>
@@ -1792,7 +1792,7 @@
           <p:cNvPr id="7" name="日期占位符 6">
             <a:extLst>
               <a:ext uri="{FF2B5EF4-FFF2-40B4-BE49-F238E27FC236}">
-                <a16:creationId xmlns:a16="http://schemas.microsoft.com/office/drawing/2014/main" id="{CBAB6F91-97FF-239A-DAA2-EF422C0E0BB3}"/>
+                <a16:creationId xmlns:a16="http://schemas.microsoft.com/office/drawing/2014/main" id="{57F8056C-097C-06DD-DB57-C6DD3ACCDB05}"/>
               </a:ext>
             </a:extLst>
           </p:cNvPr>
@@ -1808,7 +1808,7 @@
           <a:bodyPr/>
           <a:lstStyle/>
           <a:p>
-            <a:fld id="{E7C45E1A-2B71-49F8-AD45-3E9F4F81313F}" type="datetimeFigureOut">
+            <a:fld id="{03989AB5-59C3-4EFF-B8DD-BEE7FD2344C5}" type="datetimeFigureOut">
               <a:rPr lang="zh-CN" altLang="en-US" smtClean="0"/>
               <a:t>2024/3/10</a:t>
             </a:fld>
@@ -1821,7 +1821,7 @@
           <p:cNvPr id="8" name="页脚占位符 7">
             <a:extLst>
               <a:ext uri="{FF2B5EF4-FFF2-40B4-BE49-F238E27FC236}">
-                <a16:creationId xmlns:a16="http://schemas.microsoft.com/office/drawing/2014/main" id="{446A7BE1-A88A-ED2F-A56A-8D8EE719A8F0}"/>
+                <a16:creationId xmlns:a16="http://schemas.microsoft.com/office/drawing/2014/main" id="{18F39D2A-55EB-164D-106A-A61EE5BEB111}"/>
               </a:ext>
             </a:extLst>
           </p:cNvPr>
@@ -1846,7 +1846,7 @@
           <p:cNvPr id="9" name="灯片编号占位符 8">
             <a:extLst>
               <a:ext uri="{FF2B5EF4-FFF2-40B4-BE49-F238E27FC236}">
-                <a16:creationId xmlns:a16="http://schemas.microsoft.com/office/drawing/2014/main" id="{E1B7E071-FE9A-7BA1-65F6-B00DAD647530}"/>
+                <a16:creationId xmlns:a16="http://schemas.microsoft.com/office/drawing/2014/main" id="{1485E960-4D8B-B749-4A16-2FB0176F1CF1}"/>
               </a:ext>
             </a:extLst>
           </p:cNvPr>
@@ -1862,7 +1862,7 @@
           <a:bodyPr/>
           <a:lstStyle/>
           <a:p>
-            <a:fld id="{7C183130-3C48-453A-8365-186470959930}" type="slidenum">
+            <a:fld id="{9F00AEA7-F73E-48D1-84AC-0204077FB4F8}" type="slidenum">
               <a:rPr lang="zh-CN" altLang="en-US" smtClean="0"/>
               <a:t>‹#›</a:t>
             </a:fld>
@@ -1873,7 +1873,7 @@
     </p:spTree>
     <p:extLst>
       <p:ext uri="{BB962C8B-B14F-4D97-AF65-F5344CB8AC3E}">
-        <p14:creationId xmlns:p14="http://schemas.microsoft.com/office/powerpoint/2010/main" val="638894165"/>
+        <p14:creationId xmlns:p14="http://schemas.microsoft.com/office/powerpoint/2010/main" val="729132300"/>
       </p:ext>
     </p:extLst>
   </p:cSld>
@@ -1905,7 +1905,7 @@
           <p:cNvPr id="2" name="标题 1">
             <a:extLst>
               <a:ext uri="{FF2B5EF4-FFF2-40B4-BE49-F238E27FC236}">
-                <a16:creationId xmlns:a16="http://schemas.microsoft.com/office/drawing/2014/main" id="{528515DD-9145-D5C0-F48A-33D969BBF8A4}"/>
+                <a16:creationId xmlns:a16="http://schemas.microsoft.com/office/drawing/2014/main" id="{71076BED-A3FA-813F-04A3-FCCFFB82FC7B}"/>
               </a:ext>
             </a:extLst>
           </p:cNvPr>
@@ -1933,7 +1933,7 @@
           <p:cNvPr id="3" name="日期占位符 2">
             <a:extLst>
               <a:ext uri="{FF2B5EF4-FFF2-40B4-BE49-F238E27FC236}">
-                <a16:creationId xmlns:a16="http://schemas.microsoft.com/office/drawing/2014/main" id="{038E2035-B0A1-49FC-23B8-B90112102FBE}"/>
+                <a16:creationId xmlns:a16="http://schemas.microsoft.com/office/drawing/2014/main" id="{CDD52A93-8E6D-E5EA-8ECD-29F142612D51}"/>
               </a:ext>
             </a:extLst>
           </p:cNvPr>
@@ -1949,7 +1949,7 @@
           <a:bodyPr/>
           <a:lstStyle/>
           <a:p>
-            <a:fld id="{E7C45E1A-2B71-49F8-AD45-3E9F4F81313F}" type="datetimeFigureOut">
+            <a:fld id="{03989AB5-59C3-4EFF-B8DD-BEE7FD2344C5}" type="datetimeFigureOut">
               <a:rPr lang="zh-CN" altLang="en-US" smtClean="0"/>
               <a:t>2024/3/10</a:t>
             </a:fld>
@@ -1962,7 +1962,7 @@
           <p:cNvPr id="4" name="页脚占位符 3">
             <a:extLst>
               <a:ext uri="{FF2B5EF4-FFF2-40B4-BE49-F238E27FC236}">
-                <a16:creationId xmlns:a16="http://schemas.microsoft.com/office/drawing/2014/main" id="{A7025803-F825-70C4-FEFE-52D84AB640C3}"/>
+                <a16:creationId xmlns:a16="http://schemas.microsoft.com/office/drawing/2014/main" id="{679F1587-C373-DB38-2E96-FA577D4DF6E1}"/>
               </a:ext>
             </a:extLst>
           </p:cNvPr>
@@ -1987,7 +1987,7 @@
           <p:cNvPr id="5" name="灯片编号占位符 4">
             <a:extLst>
               <a:ext uri="{FF2B5EF4-FFF2-40B4-BE49-F238E27FC236}">
-                <a16:creationId xmlns:a16="http://schemas.microsoft.com/office/drawing/2014/main" id="{352C29EB-99EC-5C57-8319-9B12A5FD5663}"/>
+                <a16:creationId xmlns:a16="http://schemas.microsoft.com/office/drawing/2014/main" id="{F1A55EA0-EA9F-C7B0-C80B-1BF0A851B80C}"/>
               </a:ext>
             </a:extLst>
           </p:cNvPr>
@@ -2003,7 +2003,7 @@
           <a:bodyPr/>
           <a:lstStyle/>
           <a:p>
-            <a:fld id="{7C183130-3C48-453A-8365-186470959930}" type="slidenum">
+            <a:fld id="{9F00AEA7-F73E-48D1-84AC-0204077FB4F8}" type="slidenum">
               <a:rPr lang="zh-CN" altLang="en-US" smtClean="0"/>
               <a:t>‹#›</a:t>
             </a:fld>
@@ -2014,7 +2014,7 @@
     </p:spTree>
     <p:extLst>
       <p:ext uri="{BB962C8B-B14F-4D97-AF65-F5344CB8AC3E}">
-        <p14:creationId xmlns:p14="http://schemas.microsoft.com/office/powerpoint/2010/main" val="2971259437"/>
+        <p14:creationId xmlns:p14="http://schemas.microsoft.com/office/powerpoint/2010/main" val="1965503109"/>
       </p:ext>
     </p:extLst>
   </p:cSld>
@@ -2046,7 +2046,7 @@
           <p:cNvPr id="2" name="日期占位符 1">
             <a:extLst>
               <a:ext uri="{FF2B5EF4-FFF2-40B4-BE49-F238E27FC236}">
-                <a16:creationId xmlns:a16="http://schemas.microsoft.com/office/drawing/2014/main" id="{BED9EB94-640E-62A7-0260-E2F9CA1DB403}"/>
+                <a16:creationId xmlns:a16="http://schemas.microsoft.com/office/drawing/2014/main" id="{93E1D2FA-99D0-29FE-FFA5-8BA4F466A96E}"/>
               </a:ext>
             </a:extLst>
           </p:cNvPr>
@@ -2062,7 +2062,7 @@
           <a:bodyPr/>
           <a:lstStyle/>
           <a:p>
-            <a:fld id="{E7C45E1A-2B71-49F8-AD45-3E9F4F81313F}" type="datetimeFigureOut">
+            <a:fld id="{03989AB5-59C3-4EFF-B8DD-BEE7FD2344C5}" type="datetimeFigureOut">
               <a:rPr lang="zh-CN" altLang="en-US" smtClean="0"/>
               <a:t>2024/3/10</a:t>
             </a:fld>
@@ -2075,7 +2075,7 @@
           <p:cNvPr id="3" name="页脚占位符 2">
             <a:extLst>
               <a:ext uri="{FF2B5EF4-FFF2-40B4-BE49-F238E27FC236}">
-                <a16:creationId xmlns:a16="http://schemas.microsoft.com/office/drawing/2014/main" id="{67493C3A-F795-C035-D355-52DA9788984E}"/>
+                <a16:creationId xmlns:a16="http://schemas.microsoft.com/office/drawing/2014/main" id="{8DCF229B-2395-555C-87F4-855D2338EE90}"/>
               </a:ext>
             </a:extLst>
           </p:cNvPr>
@@ -2100,7 +2100,7 @@
           <p:cNvPr id="4" name="灯片编号占位符 3">
             <a:extLst>
               <a:ext uri="{FF2B5EF4-FFF2-40B4-BE49-F238E27FC236}">
-                <a16:creationId xmlns:a16="http://schemas.microsoft.com/office/drawing/2014/main" id="{08535BA7-C0B7-F1CA-9A14-54847889CD3D}"/>
+                <a16:creationId xmlns:a16="http://schemas.microsoft.com/office/drawing/2014/main" id="{C3403816-E8BE-A952-9B99-67DB83C67358}"/>
               </a:ext>
             </a:extLst>
           </p:cNvPr>
@@ -2116,7 +2116,7 @@
           <a:bodyPr/>
           <a:lstStyle/>
           <a:p>
-            <a:fld id="{7C183130-3C48-453A-8365-186470959930}" type="slidenum">
+            <a:fld id="{9F00AEA7-F73E-48D1-84AC-0204077FB4F8}" type="slidenum">
               <a:rPr lang="zh-CN" altLang="en-US" smtClean="0"/>
               <a:t>‹#›</a:t>
             </a:fld>
@@ -2127,7 +2127,7 @@
     </p:spTree>
     <p:extLst>
       <p:ext uri="{BB962C8B-B14F-4D97-AF65-F5344CB8AC3E}">
-        <p14:creationId xmlns:p14="http://schemas.microsoft.com/office/powerpoint/2010/main" val="1925723453"/>
+        <p14:creationId xmlns:p14="http://schemas.microsoft.com/office/powerpoint/2010/main" val="4245791466"/>
       </p:ext>
     </p:extLst>
   </p:cSld>
@@ -2159,7 +2159,7 @@
           <p:cNvPr id="2" name="标题 1">
             <a:extLst>
               <a:ext uri="{FF2B5EF4-FFF2-40B4-BE49-F238E27FC236}">
-                <a16:creationId xmlns:a16="http://schemas.microsoft.com/office/drawing/2014/main" id="{D676CB6A-0A13-22E1-AA74-946EA0F4A7CC}"/>
+                <a16:creationId xmlns:a16="http://schemas.microsoft.com/office/drawing/2014/main" id="{7987051F-3520-8D39-6FEE-C4C60A0BF986}"/>
               </a:ext>
             </a:extLst>
           </p:cNvPr>
@@ -2196,7 +2196,7 @@
           <p:cNvPr id="3" name="内容占位符 2">
             <a:extLst>
               <a:ext uri="{FF2B5EF4-FFF2-40B4-BE49-F238E27FC236}">
-                <a16:creationId xmlns:a16="http://schemas.microsoft.com/office/drawing/2014/main" id="{9CA4D0AB-8176-7038-EC14-93BDBEEF858A}"/>
+                <a16:creationId xmlns:a16="http://schemas.microsoft.com/office/drawing/2014/main" id="{FEB2A5B2-E1BD-D525-924E-15F74AF25958}"/>
               </a:ext>
             </a:extLst>
           </p:cNvPr>
@@ -2286,7 +2286,7 @@
           <p:cNvPr id="4" name="文本占位符 3">
             <a:extLst>
               <a:ext uri="{FF2B5EF4-FFF2-40B4-BE49-F238E27FC236}">
-                <a16:creationId xmlns:a16="http://schemas.microsoft.com/office/drawing/2014/main" id="{71C3B938-20BD-6413-5BBC-183B1D074727}"/>
+                <a16:creationId xmlns:a16="http://schemas.microsoft.com/office/drawing/2014/main" id="{1447C136-7334-4DC2-162C-8AA102929E5B}"/>
               </a:ext>
             </a:extLst>
           </p:cNvPr>
@@ -2357,7 +2357,7 @@
           <p:cNvPr id="5" name="日期占位符 4">
             <a:extLst>
               <a:ext uri="{FF2B5EF4-FFF2-40B4-BE49-F238E27FC236}">
-                <a16:creationId xmlns:a16="http://schemas.microsoft.com/office/drawing/2014/main" id="{F6AED57F-F362-DEA1-2EBD-0BE3A4DBF492}"/>
+                <a16:creationId xmlns:a16="http://schemas.microsoft.com/office/drawing/2014/main" id="{67624450-FF19-AA6E-65D4-55D194986A51}"/>
               </a:ext>
             </a:extLst>
           </p:cNvPr>
@@ -2373,7 +2373,7 @@
           <a:bodyPr/>
           <a:lstStyle/>
           <a:p>
-            <a:fld id="{E7C45E1A-2B71-49F8-AD45-3E9F4F81313F}" type="datetimeFigureOut">
+            <a:fld id="{03989AB5-59C3-4EFF-B8DD-BEE7FD2344C5}" type="datetimeFigureOut">
               <a:rPr lang="zh-CN" altLang="en-US" smtClean="0"/>
               <a:t>2024/3/10</a:t>
             </a:fld>
@@ -2386,7 +2386,7 @@
           <p:cNvPr id="6" name="页脚占位符 5">
             <a:extLst>
               <a:ext uri="{FF2B5EF4-FFF2-40B4-BE49-F238E27FC236}">
-                <a16:creationId xmlns:a16="http://schemas.microsoft.com/office/drawing/2014/main" id="{25E066D3-A1A7-3D9B-8A16-E8A886FD231B}"/>
+                <a16:creationId xmlns:a16="http://schemas.microsoft.com/office/drawing/2014/main" id="{8E252123-D404-F50F-60DF-37C6498C1737}"/>
               </a:ext>
             </a:extLst>
           </p:cNvPr>
@@ -2411,7 +2411,7 @@
           <p:cNvPr id="7" name="灯片编号占位符 6">
             <a:extLst>
               <a:ext uri="{FF2B5EF4-FFF2-40B4-BE49-F238E27FC236}">
-                <a16:creationId xmlns:a16="http://schemas.microsoft.com/office/drawing/2014/main" id="{2A5667E9-47FF-BCB3-D972-E07234DF0801}"/>
+                <a16:creationId xmlns:a16="http://schemas.microsoft.com/office/drawing/2014/main" id="{240D9038-B78C-71D7-0CFC-5A73B1D989F7}"/>
               </a:ext>
             </a:extLst>
           </p:cNvPr>
@@ -2427,7 +2427,7 @@
           <a:bodyPr/>
           <a:lstStyle/>
           <a:p>
-            <a:fld id="{7C183130-3C48-453A-8365-186470959930}" type="slidenum">
+            <a:fld id="{9F00AEA7-F73E-48D1-84AC-0204077FB4F8}" type="slidenum">
               <a:rPr lang="zh-CN" altLang="en-US" smtClean="0"/>
               <a:t>‹#›</a:t>
             </a:fld>
@@ -2438,7 +2438,7 @@
     </p:spTree>
     <p:extLst>
       <p:ext uri="{BB962C8B-B14F-4D97-AF65-F5344CB8AC3E}">
-        <p14:creationId xmlns:p14="http://schemas.microsoft.com/office/powerpoint/2010/main" val="4167696809"/>
+        <p14:creationId xmlns:p14="http://schemas.microsoft.com/office/powerpoint/2010/main" val="3543242184"/>
       </p:ext>
     </p:extLst>
   </p:cSld>
@@ -2470,7 +2470,7 @@
           <p:cNvPr id="2" name="标题 1">
             <a:extLst>
               <a:ext uri="{FF2B5EF4-FFF2-40B4-BE49-F238E27FC236}">
-                <a16:creationId xmlns:a16="http://schemas.microsoft.com/office/drawing/2014/main" id="{C1151D04-F64A-E021-13D3-F5DA9DF8C20D}"/>
+                <a16:creationId xmlns:a16="http://schemas.microsoft.com/office/drawing/2014/main" id="{637774D1-A334-423E-A16B-0BDD4D7752DB}"/>
               </a:ext>
             </a:extLst>
           </p:cNvPr>
@@ -2507,7 +2507,7 @@
           <p:cNvPr id="3" name="图片占位符 2">
             <a:extLst>
               <a:ext uri="{FF2B5EF4-FFF2-40B4-BE49-F238E27FC236}">
-                <a16:creationId xmlns:a16="http://schemas.microsoft.com/office/drawing/2014/main" id="{CEC66D2D-41B8-58A0-2C0E-D31C573A3830}"/>
+                <a16:creationId xmlns:a16="http://schemas.microsoft.com/office/drawing/2014/main" id="{78B3F446-A8D6-680C-0ACD-D7155A4DD358}"/>
               </a:ext>
             </a:extLst>
           </p:cNvPr>
@@ -2574,7 +2574,7 @@
           <p:cNvPr id="4" name="文本占位符 3">
             <a:extLst>
               <a:ext uri="{FF2B5EF4-FFF2-40B4-BE49-F238E27FC236}">
-                <a16:creationId xmlns:a16="http://schemas.microsoft.com/office/drawing/2014/main" id="{E61D3062-9842-8ED6-CCCB-DAEE6C853F41}"/>
+                <a16:creationId xmlns:a16="http://schemas.microsoft.com/office/drawing/2014/main" id="{DCC71962-4E99-8F05-C3B2-7BDE6FF05AA0}"/>
               </a:ext>
             </a:extLst>
           </p:cNvPr>
@@ -2645,7 +2645,7 @@
           <p:cNvPr id="5" name="日期占位符 4">
             <a:extLst>
               <a:ext uri="{FF2B5EF4-FFF2-40B4-BE49-F238E27FC236}">
-                <a16:creationId xmlns:a16="http://schemas.microsoft.com/office/drawing/2014/main" id="{FE01F79A-6E39-88B5-45AC-C59E76EE2BAE}"/>
+                <a16:creationId xmlns:a16="http://schemas.microsoft.com/office/drawing/2014/main" id="{A66B48AA-37F7-CB9F-5047-BF4E69BB8834}"/>
               </a:ext>
             </a:extLst>
           </p:cNvPr>
@@ -2661,7 +2661,7 @@
           <a:bodyPr/>
           <a:lstStyle/>
           <a:p>
-            <a:fld id="{E7C45E1A-2B71-49F8-AD45-3E9F4F81313F}" type="datetimeFigureOut">
+            <a:fld id="{03989AB5-59C3-4EFF-B8DD-BEE7FD2344C5}" type="datetimeFigureOut">
               <a:rPr lang="zh-CN" altLang="en-US" smtClean="0"/>
               <a:t>2024/3/10</a:t>
             </a:fld>
@@ -2674,7 +2674,7 @@
           <p:cNvPr id="6" name="页脚占位符 5">
             <a:extLst>
               <a:ext uri="{FF2B5EF4-FFF2-40B4-BE49-F238E27FC236}">
-                <a16:creationId xmlns:a16="http://schemas.microsoft.com/office/drawing/2014/main" id="{619B239D-6EDA-F6FF-0E7A-18A523D6E7EC}"/>
+                <a16:creationId xmlns:a16="http://schemas.microsoft.com/office/drawing/2014/main" id="{C7BB2D89-31DD-AB3D-AEE4-8D706440C0E7}"/>
               </a:ext>
             </a:extLst>
           </p:cNvPr>
@@ -2699,7 +2699,7 @@
           <p:cNvPr id="7" name="灯片编号占位符 6">
             <a:extLst>
               <a:ext uri="{FF2B5EF4-FFF2-40B4-BE49-F238E27FC236}">
-                <a16:creationId xmlns:a16="http://schemas.microsoft.com/office/drawing/2014/main" id="{E37AE284-79EB-7666-15C2-763BF0AAE3C6}"/>
+                <a16:creationId xmlns:a16="http://schemas.microsoft.com/office/drawing/2014/main" id="{D4332538-CF7C-A4D6-469B-BD0402AA2A50}"/>
               </a:ext>
             </a:extLst>
           </p:cNvPr>
@@ -2715,7 +2715,7 @@
           <a:bodyPr/>
           <a:lstStyle/>
           <a:p>
-            <a:fld id="{7C183130-3C48-453A-8365-186470959930}" type="slidenum">
+            <a:fld id="{9F00AEA7-F73E-48D1-84AC-0204077FB4F8}" type="slidenum">
               <a:rPr lang="zh-CN" altLang="en-US" smtClean="0"/>
               <a:t>‹#›</a:t>
             </a:fld>
@@ -2726,7 +2726,7 @@
     </p:spTree>
     <p:extLst>
       <p:ext uri="{BB962C8B-B14F-4D97-AF65-F5344CB8AC3E}">
-        <p14:creationId xmlns:p14="http://schemas.microsoft.com/office/powerpoint/2010/main" val="3389197662"/>
+        <p14:creationId xmlns:p14="http://schemas.microsoft.com/office/powerpoint/2010/main" val="3011591400"/>
       </p:ext>
     </p:extLst>
   </p:cSld>
@@ -2763,7 +2763,7 @@
           <p:cNvPr id="2" name="标题占位符 1">
             <a:extLst>
               <a:ext uri="{FF2B5EF4-FFF2-40B4-BE49-F238E27FC236}">
-                <a16:creationId xmlns:a16="http://schemas.microsoft.com/office/drawing/2014/main" id="{ECEC5063-8375-9CA8-FF39-294D76ED0ED2}"/>
+                <a16:creationId xmlns:a16="http://schemas.microsoft.com/office/drawing/2014/main" id="{6DDD7CA0-8474-F46B-C30B-6CA84AA4275C}"/>
               </a:ext>
             </a:extLst>
           </p:cNvPr>
@@ -2801,7 +2801,7 @@
           <p:cNvPr id="3" name="文本占位符 2">
             <a:extLst>
               <a:ext uri="{FF2B5EF4-FFF2-40B4-BE49-F238E27FC236}">
-                <a16:creationId xmlns:a16="http://schemas.microsoft.com/office/drawing/2014/main" id="{FEFFFB0D-E75B-08E3-9390-5036E030ECEA}"/>
+                <a16:creationId xmlns:a16="http://schemas.microsoft.com/office/drawing/2014/main" id="{E0E74A02-2944-72E0-C793-43C73FB08665}"/>
               </a:ext>
             </a:extLst>
           </p:cNvPr>
@@ -2868,7 +2868,7 @@
           <p:cNvPr id="4" name="日期占位符 3">
             <a:extLst>
               <a:ext uri="{FF2B5EF4-FFF2-40B4-BE49-F238E27FC236}">
-                <a16:creationId xmlns:a16="http://schemas.microsoft.com/office/drawing/2014/main" id="{D58D1875-3624-1AC7-8BE7-DEB5823F533E}"/>
+                <a16:creationId xmlns:a16="http://schemas.microsoft.com/office/drawing/2014/main" id="{8B1AFBAB-BBB5-EE7E-5D29-4BB94F4D2DA6}"/>
               </a:ext>
             </a:extLst>
           </p:cNvPr>
@@ -2902,7 +2902,7 @@
             </a:lvl1pPr>
           </a:lstStyle>
           <a:p>
-            <a:fld id="{E7C45E1A-2B71-49F8-AD45-3E9F4F81313F}" type="datetimeFigureOut">
+            <a:fld id="{03989AB5-59C3-4EFF-B8DD-BEE7FD2344C5}" type="datetimeFigureOut">
               <a:rPr lang="zh-CN" altLang="en-US" smtClean="0"/>
               <a:t>2024/3/10</a:t>
             </a:fld>
@@ -2915,7 +2915,7 @@
           <p:cNvPr id="5" name="页脚占位符 4">
             <a:extLst>
               <a:ext uri="{FF2B5EF4-FFF2-40B4-BE49-F238E27FC236}">
-                <a16:creationId xmlns:a16="http://schemas.microsoft.com/office/drawing/2014/main" id="{3B2A805D-4F34-7109-462A-A7DF5C6A418C}"/>
+                <a16:creationId xmlns:a16="http://schemas.microsoft.com/office/drawing/2014/main" id="{B051C610-FEAB-8CA6-2BA7-588D248BD13B}"/>
               </a:ext>
             </a:extLst>
           </p:cNvPr>
@@ -2958,7 +2958,7 @@
           <p:cNvPr id="6" name="灯片编号占位符 5">
             <a:extLst>
               <a:ext uri="{FF2B5EF4-FFF2-40B4-BE49-F238E27FC236}">
-                <a16:creationId xmlns:a16="http://schemas.microsoft.com/office/drawing/2014/main" id="{A8279470-D13B-970F-12BF-E4297EAC8636}"/>
+                <a16:creationId xmlns:a16="http://schemas.microsoft.com/office/drawing/2014/main" id="{CFA342F6-BA36-52D7-8FCE-B9E325C4A12E}"/>
               </a:ext>
             </a:extLst>
           </p:cNvPr>
@@ -2992,7 +2992,7 @@
             </a:lvl1pPr>
           </a:lstStyle>
           <a:p>
-            <a:fld id="{7C183130-3C48-453A-8365-186470959930}" type="slidenum">
+            <a:fld id="{9F00AEA7-F73E-48D1-84AC-0204077FB4F8}" type="slidenum">
               <a:rPr lang="zh-CN" altLang="en-US" smtClean="0"/>
               <a:t>‹#›</a:t>
             </a:fld>
@@ -3003,7 +3003,7 @@
     </p:spTree>
     <p:extLst>
       <p:ext uri="{BB962C8B-B14F-4D97-AF65-F5344CB8AC3E}">
-        <p14:creationId xmlns:p14="http://schemas.microsoft.com/office/powerpoint/2010/main" val="1158809607"/>
+        <p14:creationId xmlns:p14="http://schemas.microsoft.com/office/powerpoint/2010/main" val="2747318459"/>
       </p:ext>
     </p:extLst>
   </p:cSld>
